--- a/ppt/0609_2조_나현희_신원철.pptx
+++ b/ppt/0609_2조_나현희_신원철.pptx
@@ -9195,8 +9195,8 @@
         </p:nvSpPr>
         <p:spPr>
           <a:xfrm>
-            <a:off x="970364" y="1901600"/>
-            <a:ext cx="7128792" cy="4801314"/>
+            <a:off x="956308" y="1901709"/>
+            <a:ext cx="7128792" cy="4524315"/>
           </a:xfrm>
           <a:prstGeom prst="rect">
             <a:avLst/>
@@ -9531,106 +9531,17 @@
           </a:p>
           <a:p>
             <a:pPr algn="l"/>
-            <a:r>
-              <a:rPr lang="en-US" altLang="ko-KR" sz="1800" b="0" i="0" dirty="0">
-                <a:solidFill>
-                  <a:srgbClr val="111111"/>
-                </a:solidFill>
-                <a:effectLst/>
-                <a:latin typeface="맑은 고딕" panose="020B0503020000020004" pitchFamily="50" charset="-127"/>
-                <a:ea typeface="맑은 고딕" panose="020B0503020000020004" pitchFamily="50" charset="-127"/>
-              </a:rPr>
-              <a:t>METEOR = (</a:t>
-            </a:r>
-            <a:r>
-              <a:rPr lang="el-GR" altLang="ko-KR" sz="1800" b="0" i="0" dirty="0">
-                <a:solidFill>
-                  <a:srgbClr val="111111"/>
-                </a:solidFill>
-                <a:effectLst/>
-                <a:latin typeface="-apple-system"/>
-                <a:ea typeface="맑은 고딕" panose="020B0503020000020004" pitchFamily="50" charset="-127"/>
-              </a:rPr>
-              <a:t>α × </a:t>
-            </a:r>
-            <a:r>
-              <a:rPr lang="en-US" altLang="ko-KR" sz="1800" b="0" i="0" dirty="0">
-                <a:solidFill>
-                  <a:srgbClr val="111111"/>
-                </a:solidFill>
-                <a:effectLst/>
-                <a:latin typeface="맑은 고딕" panose="020B0503020000020004" pitchFamily="50" charset="-127"/>
-                <a:ea typeface="맑은 고딕" panose="020B0503020000020004" pitchFamily="50" charset="-127"/>
-              </a:rPr>
-              <a:t>P + (1 - </a:t>
-            </a:r>
-            <a:r>
-              <a:rPr lang="el-GR" altLang="ko-KR" sz="1800" b="0" i="0" dirty="0">
-                <a:solidFill>
-                  <a:srgbClr val="111111"/>
-                </a:solidFill>
-                <a:effectLst/>
-                <a:latin typeface="-apple-system"/>
-                <a:ea typeface="맑은 고딕" panose="020B0503020000020004" pitchFamily="50" charset="-127"/>
-              </a:rPr>
-              <a:t>α) × </a:t>
-            </a:r>
-            <a:r>
-              <a:rPr lang="en-US" altLang="ko-KR" sz="1800" b="0" i="0" dirty="0">
-                <a:solidFill>
-                  <a:srgbClr val="111111"/>
-                </a:solidFill>
-                <a:effectLst/>
-                <a:latin typeface="맑은 고딕" panose="020B0503020000020004" pitchFamily="50" charset="-127"/>
-                <a:ea typeface="맑은 고딕" panose="020B0503020000020004" pitchFamily="50" charset="-127"/>
-              </a:rPr>
-              <a:t>R + </a:t>
-            </a:r>
-            <a:r>
-              <a:rPr lang="el-GR" altLang="ko-KR" sz="1800" b="0" i="0" dirty="0">
-                <a:solidFill>
-                  <a:srgbClr val="111111"/>
-                </a:solidFill>
-                <a:effectLst/>
-                <a:latin typeface="-apple-system"/>
-                <a:ea typeface="맑은 고딕" panose="020B0503020000020004" pitchFamily="50" charset="-127"/>
-              </a:rPr>
-              <a:t>β × </a:t>
-            </a:r>
-            <a:r>
-              <a:rPr lang="en-US" altLang="ko-KR" sz="1800" b="0" i="0" dirty="0" err="1">
-                <a:solidFill>
-                  <a:srgbClr val="111111"/>
-                </a:solidFill>
-                <a:effectLst/>
-                <a:latin typeface="맑은 고딕" panose="020B0503020000020004" pitchFamily="50" charset="-127"/>
-                <a:ea typeface="맑은 고딕" panose="020B0503020000020004" pitchFamily="50" charset="-127"/>
-              </a:rPr>
-              <a:t>F_mean</a:t>
-            </a:r>
-            <a:r>
-              <a:rPr lang="en-US" altLang="ko-KR" sz="1800" b="0" i="0" dirty="0">
-                <a:solidFill>
-                  <a:srgbClr val="111111"/>
-                </a:solidFill>
-                <a:effectLst/>
-                <a:latin typeface="맑은 고딕" panose="020B0503020000020004" pitchFamily="50" charset="-127"/>
-                <a:ea typeface="맑은 고딕" panose="020B0503020000020004" pitchFamily="50" charset="-127"/>
-              </a:rPr>
-              <a:t>) ^ </a:t>
-            </a:r>
-            <a:r>
-              <a:rPr lang="el-GR" altLang="ko-KR" sz="1800" b="0" i="0" dirty="0">
-                <a:solidFill>
-                  <a:srgbClr val="111111"/>
-                </a:solidFill>
-                <a:effectLst/>
-                <a:latin typeface="-apple-system"/>
-                <a:ea typeface="맑은 고딕" panose="020B0503020000020004" pitchFamily="50" charset="-127"/>
-              </a:rPr>
-              <a:t>γ</a:t>
-            </a:r>
-            <a:endParaRPr lang="en-US" altLang="ko-KR" sz="1800" b="0" i="0" dirty="0">
+            <a:endParaRPr lang="en-US" altLang="ko-KR" sz="1800" dirty="0">
+              <a:solidFill>
+                <a:srgbClr val="111111"/>
+              </a:solidFill>
+              <a:latin typeface="맑은 고딕" panose="020B0503020000020004" pitchFamily="50" charset="-127"/>
+              <a:ea typeface="맑은 고딕" panose="020B0503020000020004" pitchFamily="50" charset="-127"/>
+            </a:endParaRPr>
+          </a:p>
+          <a:p>
+            <a:pPr algn="l"/>
+            <a:endParaRPr lang="en-US" altLang="ko-KR" sz="1200" b="0" i="0" dirty="0">
               <a:solidFill>
                 <a:srgbClr val="111111"/>
               </a:solidFill>
@@ -9641,18 +9552,8 @@
           </a:p>
           <a:p>
             <a:pPr algn="l"/>
-            <a:endParaRPr lang="en-US" altLang="ko-KR" sz="1800" dirty="0">
-              <a:solidFill>
-                <a:srgbClr val="111111"/>
-              </a:solidFill>
-              <a:latin typeface="맑은 고딕" panose="020B0503020000020004" pitchFamily="50" charset="-127"/>
-              <a:ea typeface="맑은 고딕" panose="020B0503020000020004" pitchFamily="50" charset="-127"/>
-            </a:endParaRPr>
-          </a:p>
-          <a:p>
-            <a:pPr algn="l"/>
-            <a:r>
-              <a:rPr lang="en-US" altLang="ko-KR" sz="1800" b="0" i="0" dirty="0">
+            <a:r>
+              <a:rPr lang="en-US" altLang="ko-KR" sz="1200" b="0" i="0" dirty="0">
                 <a:solidFill>
                   <a:srgbClr val="111111"/>
                 </a:solidFill>
@@ -9663,7 +9564,7 @@
               <a:t>P: </a:t>
             </a:r>
             <a:r>
-              <a:rPr lang="ko-KR" altLang="en-US" sz="1800" b="0" i="0" dirty="0">
+              <a:rPr lang="ko-KR" altLang="en-US" sz="1200" b="0" i="0" dirty="0">
                 <a:solidFill>
                   <a:srgbClr val="111111"/>
                 </a:solidFill>
@@ -9673,7 +9574,7 @@
               </a:rPr>
               <a:t>정밀도</a:t>
             </a:r>
-            <a:endParaRPr lang="en-US" altLang="ko-KR" sz="1800" dirty="0">
+            <a:endParaRPr lang="en-US" altLang="ko-KR" sz="1200" dirty="0">
               <a:solidFill>
                 <a:srgbClr val="111111"/>
               </a:solidFill>
@@ -9684,7 +9585,7 @@
           <a:p>
             <a:pPr algn="l"/>
             <a:r>
-              <a:rPr lang="en-US" altLang="ko-KR" sz="1800" b="0" i="0" dirty="0">
+              <a:rPr lang="en-US" altLang="ko-KR" sz="1200" b="0" i="0" dirty="0">
                 <a:solidFill>
                   <a:srgbClr val="111111"/>
                 </a:solidFill>
@@ -9695,7 +9596,7 @@
               <a:t>R</a:t>
             </a:r>
             <a:r>
-              <a:rPr lang="en-US" altLang="ko-KR" sz="1800" dirty="0">
+              <a:rPr lang="en-US" altLang="ko-KR" sz="1200" dirty="0">
                 <a:solidFill>
                   <a:srgbClr val="111111"/>
                 </a:solidFill>
@@ -9705,7 +9606,7 @@
               <a:t>: </a:t>
             </a:r>
             <a:r>
-              <a:rPr lang="ko-KR" altLang="en-US" sz="1800" b="0" i="0" dirty="0" err="1">
+              <a:rPr lang="ko-KR" altLang="en-US" sz="1200" b="0" i="0" dirty="0" err="1">
                 <a:solidFill>
                   <a:srgbClr val="111111"/>
                 </a:solidFill>
@@ -9715,7 +9616,7 @@
               </a:rPr>
               <a:t>재현율</a:t>
             </a:r>
-            <a:endParaRPr lang="en-US" altLang="ko-KR" sz="1800" dirty="0">
+            <a:endParaRPr lang="en-US" altLang="ko-KR" sz="1200" dirty="0">
               <a:solidFill>
                 <a:srgbClr val="111111"/>
               </a:solidFill>
@@ -9724,75 +9625,125 @@
             </a:endParaRPr>
           </a:p>
           <a:p>
-            <a:pPr algn="l"/>
-            <a:r>
-              <a:rPr lang="en-US" altLang="ko-KR" sz="1800" b="0" i="0" dirty="0" err="1">
-                <a:solidFill>
-                  <a:srgbClr val="111111"/>
-                </a:solidFill>
-                <a:effectLst/>
-                <a:latin typeface="맑은 고딕" panose="020B0503020000020004" pitchFamily="50" charset="-127"/>
-                <a:ea typeface="맑은 고딕" panose="020B0503020000020004" pitchFamily="50" charset="-127"/>
-              </a:rPr>
-              <a:t>F_mean</a:t>
-            </a:r>
-            <a:r>
-              <a:rPr lang="en-US" altLang="ko-KR" sz="1800" b="0" i="0" dirty="0">
-                <a:solidFill>
-                  <a:srgbClr val="111111"/>
-                </a:solidFill>
-                <a:effectLst/>
-                <a:latin typeface="맑은 고딕" panose="020B0503020000020004" pitchFamily="50" charset="-127"/>
-                <a:ea typeface="맑은 고딕" panose="020B0503020000020004" pitchFamily="50" charset="-127"/>
-              </a:rPr>
-              <a:t>:</a:t>
-            </a:r>
-            <a:r>
-              <a:rPr lang="ko-KR" altLang="en-US" sz="1800" b="0" i="0" dirty="0">
-                <a:solidFill>
-                  <a:srgbClr val="111111"/>
-                </a:solidFill>
-                <a:effectLst/>
-                <a:latin typeface="맑은 고딕" panose="020B0503020000020004" pitchFamily="50" charset="-127"/>
-                <a:ea typeface="맑은 고딕" panose="020B0503020000020004" pitchFamily="50" charset="-127"/>
-              </a:rPr>
+            <a:r>
+              <a:rPr lang="en-US" altLang="ko-KR" sz="1200" dirty="0"/>
+              <a:t>p:</a:t>
+            </a:r>
+            <a:r>
+              <a:rPr lang="ko-KR" altLang="en-US" sz="1200" dirty="0"/>
               <a:t> </a:t>
             </a:r>
             <a:r>
-              <a:rPr lang="en-US" altLang="ko-KR" sz="1800" b="0" i="0" dirty="0">
-                <a:solidFill>
-                  <a:srgbClr val="111111"/>
-                </a:solidFill>
-                <a:effectLst/>
-                <a:latin typeface="맑은 고딕" panose="020B0503020000020004" pitchFamily="50" charset="-127"/>
-                <a:ea typeface="맑은 고딕" panose="020B0503020000020004" pitchFamily="50" charset="-127"/>
-              </a:rPr>
-              <a:t>F1 score</a:t>
-            </a:r>
-            <a:r>
-              <a:rPr lang="ko-KR" altLang="en-US" sz="1800" b="0" i="0" dirty="0">
-                <a:solidFill>
-                  <a:srgbClr val="111111"/>
-                </a:solidFill>
-                <a:effectLst/>
-                <a:latin typeface="맑은 고딕" panose="020B0503020000020004" pitchFamily="50" charset="-127"/>
-                <a:ea typeface="맑은 고딕" panose="020B0503020000020004" pitchFamily="50" charset="-127"/>
-              </a:rPr>
-              <a:t>의 평균값</a:t>
-            </a:r>
-            <a:endParaRPr lang="ko-KR" altLang="en-US" sz="1800" dirty="0">
-              <a:solidFill>
-                <a:srgbClr val="000000"/>
-              </a:solidFill>
-              <a:latin typeface="맑은 고딕" panose="020B0503020000020004" pitchFamily="50" charset="-127"/>
-              <a:ea typeface="맑은 고딕" panose="020B0503020000020004" pitchFamily="50" charset="-127"/>
-            </a:endParaRPr>
-          </a:p>
-          <a:p>
-            <a:endParaRPr lang="ko-KR" altLang="en-US" dirty="0"/>
-          </a:p>
-        </p:txBody>
-      </p:sp>
+              <a:rPr lang="ko-KR" altLang="en-US" sz="1200" dirty="0" err="1"/>
+              <a:t>패널티</a:t>
+            </a:r>
+            <a:endParaRPr lang="en-US" altLang="ko-KR" sz="1200" dirty="0"/>
+          </a:p>
+          <a:p>
+            <a:r>
+              <a:rPr lang="en-US" altLang="ko-KR" sz="1200" dirty="0"/>
+              <a:t>c: chunk</a:t>
+            </a:r>
+          </a:p>
+          <a:p>
+            <a:r>
+              <a:rPr lang="en-US" altLang="ko-KR" sz="1200" dirty="0"/>
+              <a:t>u: unigram</a:t>
+            </a:r>
+            <a:endParaRPr lang="ko-KR" altLang="en-US" sz="1200" dirty="0"/>
+          </a:p>
+        </p:txBody>
+      </p:sp>
+      <p:pic>
+        <p:nvPicPr>
+          <p:cNvPr id="19" name="그림 18">
+            <a:extLst>
+              <a:ext uri="{FF2B5EF4-FFF2-40B4-BE49-F238E27FC236}">
+                <a16:creationId xmlns:a16="http://schemas.microsoft.com/office/drawing/2014/main" id="{6658A301-8F87-F185-4014-2FEDD24F003C}"/>
+              </a:ext>
+            </a:extLst>
+          </p:cNvPr>
+          <p:cNvPicPr>
+            <a:picLocks noChangeAspect="1"/>
+          </p:cNvPicPr>
+          <p:nvPr/>
+        </p:nvPicPr>
+        <p:blipFill>
+          <a:blip r:embed="rId9"/>
+          <a:stretch>
+            <a:fillRect/>
+          </a:stretch>
+        </p:blipFill>
+        <p:spPr>
+          <a:xfrm>
+            <a:off x="4622800" y="4881151"/>
+            <a:ext cx="1514475" cy="361950"/>
+          </a:xfrm>
+          <a:prstGeom prst="rect">
+            <a:avLst/>
+          </a:prstGeom>
+        </p:spPr>
+      </p:pic>
+      <p:pic>
+        <p:nvPicPr>
+          <p:cNvPr id="21" name="그림 20">
+            <a:extLst>
+              <a:ext uri="{FF2B5EF4-FFF2-40B4-BE49-F238E27FC236}">
+                <a16:creationId xmlns:a16="http://schemas.microsoft.com/office/drawing/2014/main" id="{89185BEA-4A5C-7FE8-7B27-B68D4763144F}"/>
+              </a:ext>
+            </a:extLst>
+          </p:cNvPr>
+          <p:cNvPicPr>
+            <a:picLocks noChangeAspect="1"/>
+          </p:cNvPicPr>
+          <p:nvPr/>
+        </p:nvPicPr>
+        <p:blipFill>
+          <a:blip r:embed="rId10"/>
+          <a:stretch>
+            <a:fillRect/>
+          </a:stretch>
+        </p:blipFill>
+        <p:spPr>
+          <a:xfrm>
+            <a:off x="1302249" y="4845712"/>
+            <a:ext cx="1428750" cy="466725"/>
+          </a:xfrm>
+          <a:prstGeom prst="rect">
+            <a:avLst/>
+          </a:prstGeom>
+        </p:spPr>
+      </p:pic>
+      <p:pic>
+        <p:nvPicPr>
+          <p:cNvPr id="23" name="그림 22">
+            <a:extLst>
+              <a:ext uri="{FF2B5EF4-FFF2-40B4-BE49-F238E27FC236}">
+                <a16:creationId xmlns:a16="http://schemas.microsoft.com/office/drawing/2014/main" id="{51533CA3-8D6D-ADD3-43BA-AC9737C1D679}"/>
+              </a:ext>
+            </a:extLst>
+          </p:cNvPr>
+          <p:cNvPicPr>
+            <a:picLocks noChangeAspect="1"/>
+          </p:cNvPicPr>
+          <p:nvPr/>
+        </p:nvPicPr>
+        <p:blipFill>
+          <a:blip r:embed="rId11"/>
+          <a:stretch>
+            <a:fillRect/>
+          </a:stretch>
+        </p:blipFill>
+        <p:spPr>
+          <a:xfrm>
+            <a:off x="2996704" y="4757326"/>
+            <a:ext cx="1524000" cy="609600"/>
+          </a:xfrm>
+          <a:prstGeom prst="rect">
+            <a:avLst/>
+          </a:prstGeom>
+        </p:spPr>
+      </p:pic>
     </p:spTree>
     <p:extLst>
       <p:ext uri="{BB962C8B-B14F-4D97-AF65-F5344CB8AC3E}">
